--- a/Presentation/blockheads-presentation.pptx
+++ b/Presentation/blockheads-presentation.pptx
@@ -5,7 +5,7 @@
     <p:sldMasterId id="2147483659" r:id="rId1"/>
   </p:sldMasterIdLst>
   <p:notesMasterIdLst>
-    <p:notesMasterId r:id="rId7"/>
+    <p:notesMasterId r:id="rId10"/>
   </p:notesMasterIdLst>
   <p:sldIdLst>
     <p:sldId id="256" r:id="rId2"/>
@@ -13,23 +13,26 @@
     <p:sldId id="258" r:id="rId4"/>
     <p:sldId id="259" r:id="rId5"/>
     <p:sldId id="260" r:id="rId6"/>
+    <p:sldId id="261" r:id="rId7"/>
+    <p:sldId id="262" r:id="rId8"/>
+    <p:sldId id="263" r:id="rId9"/>
   </p:sldIdLst>
   <p:sldSz cx="9144000" cy="5143500" type="screen16x9"/>
   <p:notesSz cx="6858000" cy="9144000"/>
   <p:embeddedFontLst>
     <p:embeddedFont>
       <p:font typeface="Raleway" charset="0"/>
-      <p:regular r:id="rId8"/>
-      <p:bold r:id="rId9"/>
-      <p:italic r:id="rId10"/>
-      <p:boldItalic r:id="rId11"/>
+      <p:regular r:id="rId11"/>
+      <p:bold r:id="rId12"/>
+      <p:italic r:id="rId13"/>
+      <p:boldItalic r:id="rId14"/>
     </p:embeddedFont>
     <p:embeddedFont>
       <p:font typeface="Source Sans Pro" charset="0"/>
-      <p:regular r:id="rId12"/>
-      <p:bold r:id="rId13"/>
-      <p:italic r:id="rId14"/>
-      <p:boldItalic r:id="rId15"/>
+      <p:regular r:id="rId15"/>
+      <p:bold r:id="rId16"/>
+      <p:italic r:id="rId17"/>
+      <p:boldItalic r:id="rId18"/>
     </p:embeddedFont>
   </p:embeddedFontLst>
   <p:defaultTextStyle>
@@ -1198,6 +1201,318 @@
       <p:sp>
         <p:nvSpPr>
           <p:cNvPr id="83" name="Google Shape;83;g117e6431297_1_26:notes"/>
+          <p:cNvSpPr txBox="1">
+            <a:spLocks noGrp="1"/>
+          </p:cNvSpPr>
+          <p:nvPr>
+            <p:ph type="body" idx="1"/>
+          </p:nvPr>
+        </p:nvSpPr>
+        <p:spPr>
+          <a:xfrm>
+            <a:off x="685800" y="4343400"/>
+            <a:ext cx="5486400" cy="4114800"/>
+          </a:xfrm>
+          <a:prstGeom prst="rect">
+            <a:avLst/>
+          </a:prstGeom>
+        </p:spPr>
+        <p:txBody>
+          <a:bodyPr spcFirstLastPara="1" wrap="square" lIns="91425" tIns="91425" rIns="91425" bIns="91425" anchor="t" anchorCtr="0">
+            <a:noAutofit/>
+          </a:bodyPr>
+          <a:lstStyle/>
+          <a:p>
+            <a:pPr marL="0" lvl="0" indent="0" algn="l" rtl="0">
+              <a:spcBef>
+                <a:spcPts val="0"/>
+              </a:spcBef>
+              <a:spcAft>
+                <a:spcPts val="0"/>
+              </a:spcAft>
+              <a:buNone/>
+            </a:pPr>
+            <a:endParaRPr/>
+          </a:p>
+        </p:txBody>
+      </p:sp>
+    </p:spTree>
+  </p:cSld>
+  <p:clrMapOvr>
+    <a:masterClrMapping/>
+  </p:clrMapOvr>
+</p:notes>
+</file>
+
+<file path=ppt/notesSlides/notesSlide6.xml><?xml version="1.0" encoding="utf-8"?>
+<p:notes xmlns:a="http://schemas.openxmlformats.org/drawingml/2006/main" xmlns:r="http://schemas.openxmlformats.org/officeDocument/2006/relationships" xmlns:p="http://schemas.openxmlformats.org/presentationml/2006/main" showMasterSp="0" showMasterPhAnim="0">
+  <p:cSld>
+    <p:spTree>
+      <p:nvGrpSpPr>
+        <p:cNvPr id="1" name="Shape 87"/>
+        <p:cNvGrpSpPr/>
+        <p:nvPr/>
+      </p:nvGrpSpPr>
+      <p:grpSpPr>
+        <a:xfrm>
+          <a:off x="0" y="0"/>
+          <a:ext cx="0" cy="0"/>
+          <a:chOff x="0" y="0"/>
+          <a:chExt cx="0" cy="0"/>
+        </a:xfrm>
+      </p:grpSpPr>
+      <p:sp>
+        <p:nvSpPr>
+          <p:cNvPr id="88" name="Google Shape;88;g117e6431297_1_31:notes"/>
+          <p:cNvSpPr>
+            <a:spLocks noGrp="1" noRot="1" noChangeAspect="1"/>
+          </p:cNvSpPr>
+          <p:nvPr>
+            <p:ph type="sldImg" idx="2"/>
+          </p:nvPr>
+        </p:nvSpPr>
+        <p:spPr>
+          <a:xfrm>
+            <a:off x="381300" y="685800"/>
+            <a:ext cx="6096000" cy="3429000"/>
+          </a:xfrm>
+          <a:custGeom>
+            <a:avLst/>
+            <a:gdLst/>
+            <a:ahLst/>
+            <a:cxnLst/>
+            <a:rect l="l" t="t" r="r" b="b"/>
+            <a:pathLst>
+              <a:path w="120000" h="120000" extrusionOk="0">
+                <a:moveTo>
+                  <a:pt x="0" y="0"/>
+                </a:moveTo>
+                <a:lnTo>
+                  <a:pt x="120000" y="0"/>
+                </a:lnTo>
+                <a:lnTo>
+                  <a:pt x="120000" y="120000"/>
+                </a:lnTo>
+                <a:lnTo>
+                  <a:pt x="0" y="120000"/>
+                </a:lnTo>
+                <a:close/>
+              </a:path>
+            </a:pathLst>
+          </a:custGeom>
+        </p:spPr>
+      </p:sp>
+      <p:sp>
+        <p:nvSpPr>
+          <p:cNvPr id="89" name="Google Shape;89;g117e6431297_1_31:notes"/>
+          <p:cNvSpPr txBox="1">
+            <a:spLocks noGrp="1"/>
+          </p:cNvSpPr>
+          <p:nvPr>
+            <p:ph type="body" idx="1"/>
+          </p:nvPr>
+        </p:nvSpPr>
+        <p:spPr>
+          <a:xfrm>
+            <a:off x="685800" y="4343400"/>
+            <a:ext cx="5486400" cy="4114800"/>
+          </a:xfrm>
+          <a:prstGeom prst="rect">
+            <a:avLst/>
+          </a:prstGeom>
+        </p:spPr>
+        <p:txBody>
+          <a:bodyPr spcFirstLastPara="1" wrap="square" lIns="91425" tIns="91425" rIns="91425" bIns="91425" anchor="t" anchorCtr="0">
+            <a:noAutofit/>
+          </a:bodyPr>
+          <a:lstStyle/>
+          <a:p>
+            <a:pPr marL="0" lvl="0" indent="0" algn="l" rtl="0">
+              <a:spcBef>
+                <a:spcPts val="0"/>
+              </a:spcBef>
+              <a:spcAft>
+                <a:spcPts val="0"/>
+              </a:spcAft>
+              <a:buNone/>
+            </a:pPr>
+            <a:endParaRPr/>
+          </a:p>
+        </p:txBody>
+      </p:sp>
+    </p:spTree>
+  </p:cSld>
+  <p:clrMapOvr>
+    <a:masterClrMapping/>
+  </p:clrMapOvr>
+</p:notes>
+</file>
+
+<file path=ppt/notesSlides/notesSlide7.xml><?xml version="1.0" encoding="utf-8"?>
+<p:notes xmlns:a="http://schemas.openxmlformats.org/drawingml/2006/main" xmlns:r="http://schemas.openxmlformats.org/officeDocument/2006/relationships" xmlns:p="http://schemas.openxmlformats.org/presentationml/2006/main" showMasterSp="0" showMasterPhAnim="0">
+  <p:cSld>
+    <p:spTree>
+      <p:nvGrpSpPr>
+        <p:cNvPr id="1" name="Shape 93"/>
+        <p:cNvGrpSpPr/>
+        <p:nvPr/>
+      </p:nvGrpSpPr>
+      <p:grpSpPr>
+        <a:xfrm>
+          <a:off x="0" y="0"/>
+          <a:ext cx="0" cy="0"/>
+          <a:chOff x="0" y="0"/>
+          <a:chExt cx="0" cy="0"/>
+        </a:xfrm>
+      </p:grpSpPr>
+      <p:sp>
+        <p:nvSpPr>
+          <p:cNvPr id="94" name="Google Shape;94;g117e6431297_1_47:notes"/>
+          <p:cNvSpPr>
+            <a:spLocks noGrp="1" noRot="1" noChangeAspect="1"/>
+          </p:cNvSpPr>
+          <p:nvPr>
+            <p:ph type="sldImg" idx="2"/>
+          </p:nvPr>
+        </p:nvSpPr>
+        <p:spPr>
+          <a:xfrm>
+            <a:off x="381300" y="685800"/>
+            <a:ext cx="6096000" cy="3429000"/>
+          </a:xfrm>
+          <a:custGeom>
+            <a:avLst/>
+            <a:gdLst/>
+            <a:ahLst/>
+            <a:cxnLst/>
+            <a:rect l="l" t="t" r="r" b="b"/>
+            <a:pathLst>
+              <a:path w="120000" h="120000" extrusionOk="0">
+                <a:moveTo>
+                  <a:pt x="0" y="0"/>
+                </a:moveTo>
+                <a:lnTo>
+                  <a:pt x="120000" y="0"/>
+                </a:lnTo>
+                <a:lnTo>
+                  <a:pt x="120000" y="120000"/>
+                </a:lnTo>
+                <a:lnTo>
+                  <a:pt x="0" y="120000"/>
+                </a:lnTo>
+                <a:close/>
+              </a:path>
+            </a:pathLst>
+          </a:custGeom>
+        </p:spPr>
+      </p:sp>
+      <p:sp>
+        <p:nvSpPr>
+          <p:cNvPr id="95" name="Google Shape;95;g117e6431297_1_47:notes"/>
+          <p:cNvSpPr txBox="1">
+            <a:spLocks noGrp="1"/>
+          </p:cNvSpPr>
+          <p:nvPr>
+            <p:ph type="body" idx="1"/>
+          </p:nvPr>
+        </p:nvSpPr>
+        <p:spPr>
+          <a:xfrm>
+            <a:off x="685800" y="4343400"/>
+            <a:ext cx="5486400" cy="4114800"/>
+          </a:xfrm>
+          <a:prstGeom prst="rect">
+            <a:avLst/>
+          </a:prstGeom>
+        </p:spPr>
+        <p:txBody>
+          <a:bodyPr spcFirstLastPara="1" wrap="square" lIns="91425" tIns="91425" rIns="91425" bIns="91425" anchor="t" anchorCtr="0">
+            <a:noAutofit/>
+          </a:bodyPr>
+          <a:lstStyle/>
+          <a:p>
+            <a:pPr marL="0" lvl="0" indent="0" algn="l" rtl="0">
+              <a:spcBef>
+                <a:spcPts val="0"/>
+              </a:spcBef>
+              <a:spcAft>
+                <a:spcPts val="0"/>
+              </a:spcAft>
+              <a:buNone/>
+            </a:pPr>
+            <a:endParaRPr/>
+          </a:p>
+        </p:txBody>
+      </p:sp>
+    </p:spTree>
+  </p:cSld>
+  <p:clrMapOvr>
+    <a:masterClrMapping/>
+  </p:clrMapOvr>
+</p:notes>
+</file>
+
+<file path=ppt/notesSlides/notesSlide8.xml><?xml version="1.0" encoding="utf-8"?>
+<p:notes xmlns:a="http://schemas.openxmlformats.org/drawingml/2006/main" xmlns:r="http://schemas.openxmlformats.org/officeDocument/2006/relationships" xmlns:p="http://schemas.openxmlformats.org/presentationml/2006/main" showMasterSp="0" showMasterPhAnim="0">
+  <p:cSld>
+    <p:spTree>
+      <p:nvGrpSpPr>
+        <p:cNvPr id="1" name="Shape 99"/>
+        <p:cNvGrpSpPr/>
+        <p:nvPr/>
+      </p:nvGrpSpPr>
+      <p:grpSpPr>
+        <a:xfrm>
+          <a:off x="0" y="0"/>
+          <a:ext cx="0" cy="0"/>
+          <a:chOff x="0" y="0"/>
+          <a:chExt cx="0" cy="0"/>
+        </a:xfrm>
+      </p:grpSpPr>
+      <p:sp>
+        <p:nvSpPr>
+          <p:cNvPr id="100" name="Google Shape;100;g117e6431297_1_37:notes"/>
+          <p:cNvSpPr>
+            <a:spLocks noGrp="1" noRot="1" noChangeAspect="1"/>
+          </p:cNvSpPr>
+          <p:nvPr>
+            <p:ph type="sldImg" idx="2"/>
+          </p:nvPr>
+        </p:nvSpPr>
+        <p:spPr>
+          <a:xfrm>
+            <a:off x="381300" y="685800"/>
+            <a:ext cx="6096000" cy="3429000"/>
+          </a:xfrm>
+          <a:custGeom>
+            <a:avLst/>
+            <a:gdLst/>
+            <a:ahLst/>
+            <a:cxnLst/>
+            <a:rect l="l" t="t" r="r" b="b"/>
+            <a:pathLst>
+              <a:path w="120000" h="120000" extrusionOk="0">
+                <a:moveTo>
+                  <a:pt x="0" y="0"/>
+                </a:moveTo>
+                <a:lnTo>
+                  <a:pt x="120000" y="0"/>
+                </a:lnTo>
+                <a:lnTo>
+                  <a:pt x="120000" y="120000"/>
+                </a:lnTo>
+                <a:lnTo>
+                  <a:pt x="0" y="120000"/>
+                </a:lnTo>
+                <a:close/>
+              </a:path>
+            </a:pathLst>
+          </a:custGeom>
+        </p:spPr>
+      </p:sp>
+      <p:sp>
+        <p:nvSpPr>
+          <p:cNvPr id="101" name="Google Shape;101;g117e6431297_1_37:notes"/>
           <p:cNvSpPr txBox="1">
             <a:spLocks noGrp="1"/>
           </p:cNvSpPr>
@@ -7879,6 +8194,10 @@
               </a:spcAft>
               <a:buNone/>
             </a:pPr>
+            <a:r>
+              <a:rPr lang="en"/>
+              <a:t>Technologies</a:t>
+            </a:r>
             <a:endParaRPr/>
           </a:p>
         </p:txBody>
@@ -7886,6 +8205,413 @@
       <p:sp>
         <p:nvSpPr>
           <p:cNvPr id="86" name="Google Shape;86;p17"/>
+          <p:cNvSpPr txBox="1">
+            <a:spLocks noGrp="1"/>
+          </p:cNvSpPr>
+          <p:nvPr>
+            <p:ph type="body" idx="1"/>
+          </p:nvPr>
+        </p:nvSpPr>
+        <p:spPr>
+          <a:xfrm>
+            <a:off x="311700" y="1152475"/>
+            <a:ext cx="8520600" cy="3416400"/>
+          </a:xfrm>
+          <a:prstGeom prst="rect">
+            <a:avLst/>
+          </a:prstGeom>
+          <a:ln w="9525" cap="flat" cmpd="sng">
+            <a:solidFill>
+              <a:schemeClr val="dk1"/>
+            </a:solidFill>
+            <a:prstDash val="solid"/>
+            <a:round/>
+            <a:headEnd type="none" w="sm" len="sm"/>
+            <a:tailEnd type="none" w="sm" len="sm"/>
+          </a:ln>
+        </p:spPr>
+        <p:txBody>
+          <a:bodyPr spcFirstLastPara="1" wrap="square" lIns="91425" tIns="91425" rIns="91425" bIns="91425" anchor="t" anchorCtr="0">
+            <a:normAutofit/>
+          </a:bodyPr>
+          <a:lstStyle/>
+          <a:p>
+            <a:pPr marL="457200" lvl="0" indent="-342900" algn="l" rtl="0">
+              <a:spcBef>
+                <a:spcPts val="0"/>
+              </a:spcBef>
+              <a:spcAft>
+                <a:spcPts val="0"/>
+              </a:spcAft>
+              <a:buClr>
+                <a:srgbClr val="24292F"/>
+              </a:buClr>
+              <a:buSzPts val="1800"/>
+              <a:buChar char="●"/>
+            </a:pPr>
+            <a:r>
+              <a:rPr lang="en">
+                <a:solidFill>
+                  <a:srgbClr val="24292F"/>
+                </a:solidFill>
+                <a:highlight>
+                  <a:srgbClr val="FFFFFF"/>
+                </a:highlight>
+                <a:uFill>
+                  <a:noFill/>
+                </a:uFill>
+                <a:hlinkClick r:id="rId3">
+                  <a:extLst>
+                    <a:ext uri="{A12FA001-AC4F-418D-AE19-62706E023703}">
+                      <ahyp:hlinkClr xmlns:ahyp="http://schemas.microsoft.com/office/drawing/2018/hyperlinkcolor" xmlns:p15="http://schemas.microsoft.com/office/powerpoint/2012/main" xmlns:p14="http://schemas.microsoft.com/office/powerpoint/2010/main" xmlns:com="http://schemas.openxmlformats.org/drawingml/2006/compatibility" xmlns:pvml="urn:schemas-microsoft-com:office:powerpoint" xmlns:v="urn:schemas-microsoft-com:vml" xmlns:o="urn:schemas-microsoft-com:office:office" xmlns:dgm="http://schemas.openxmlformats.org/drawingml/2006/diagram" xmlns:c="http://schemas.openxmlformats.org/drawingml/2006/chart" xmlns:mv="urn:schemas-microsoft-com:mac:vml" xmlns:mc="http://schemas.openxmlformats.org/markup-compatibility/2006" xmlns="" val="tx"/>
+                    </a:ext>
+                  </a:extLst>
+                </a:hlinkClick>
+              </a:rPr>
+              <a:t>Streamlit Library</a:t>
+            </a:r>
+            <a:r>
+              <a:rPr lang="en">
+                <a:solidFill>
+                  <a:srgbClr val="24292F"/>
+                </a:solidFill>
+                <a:highlight>
+                  <a:srgbClr val="FFFFFF"/>
+                </a:highlight>
+              </a:rPr>
+              <a:t> </a:t>
+            </a:r>
+            <a:endParaRPr>
+              <a:solidFill>
+                <a:srgbClr val="24292F"/>
+              </a:solidFill>
+              <a:highlight>
+                <a:srgbClr val="FFFFFF"/>
+              </a:highlight>
+            </a:endParaRPr>
+          </a:p>
+          <a:p>
+            <a:pPr marL="457200" lvl="0" indent="-342900" algn="l" rtl="0">
+              <a:spcBef>
+                <a:spcPts val="0"/>
+              </a:spcBef>
+              <a:spcAft>
+                <a:spcPts val="0"/>
+              </a:spcAft>
+              <a:buClr>
+                <a:srgbClr val="24292F"/>
+              </a:buClr>
+              <a:buSzPts val="1800"/>
+              <a:buChar char="●"/>
+            </a:pPr>
+            <a:r>
+              <a:rPr lang="en">
+                <a:solidFill>
+                  <a:srgbClr val="24292F"/>
+                </a:solidFill>
+                <a:highlight>
+                  <a:srgbClr val="FFFFFF"/>
+                </a:highlight>
+                <a:uFill>
+                  <a:noFill/>
+                </a:uFill>
+                <a:hlinkClick r:id="rId4">
+                  <a:extLst>
+                    <a:ext uri="{A12FA001-AC4F-418D-AE19-62706E023703}">
+                      <ahyp:hlinkClr xmlns:ahyp="http://schemas.microsoft.com/office/drawing/2018/hyperlinkcolor" xmlns:p15="http://schemas.microsoft.com/office/powerpoint/2012/main" xmlns:p14="http://schemas.microsoft.com/office/powerpoint/2010/main" xmlns:com="http://schemas.openxmlformats.org/drawingml/2006/compatibility" xmlns:pvml="urn:schemas-microsoft-com:office:powerpoint" xmlns:v="urn:schemas-microsoft-com:vml" xmlns:o="urn:schemas-microsoft-com:office:office" xmlns:dgm="http://schemas.openxmlformats.org/drawingml/2006/diagram" xmlns:c="http://schemas.openxmlformats.org/drawingml/2006/chart" xmlns:mv="urn:schemas-microsoft-com:mac:vml" xmlns:mc="http://schemas.openxmlformats.org/markup-compatibility/2006" xmlns="" val="tx"/>
+                    </a:ext>
+                  </a:extLst>
+                </a:hlinkClick>
+              </a:rPr>
+              <a:t>MultiApp Library</a:t>
+            </a:r>
+            <a:r>
+              <a:rPr lang="en">
+                <a:solidFill>
+                  <a:srgbClr val="24292F"/>
+                </a:solidFill>
+                <a:highlight>
+                  <a:srgbClr val="FFFFFF"/>
+                </a:highlight>
+              </a:rPr>
+              <a:t> </a:t>
+            </a:r>
+            <a:endParaRPr>
+              <a:solidFill>
+                <a:srgbClr val="24292F"/>
+              </a:solidFill>
+              <a:highlight>
+                <a:srgbClr val="FFFFFF"/>
+              </a:highlight>
+            </a:endParaRPr>
+          </a:p>
+          <a:p>
+            <a:pPr marL="457200" lvl="0" indent="-342900" algn="l" rtl="0">
+              <a:spcBef>
+                <a:spcPts val="0"/>
+              </a:spcBef>
+              <a:spcAft>
+                <a:spcPts val="0"/>
+              </a:spcAft>
+              <a:buClr>
+                <a:srgbClr val="24292F"/>
+              </a:buClr>
+              <a:buSzPts val="1800"/>
+              <a:buChar char="●"/>
+            </a:pPr>
+            <a:r>
+              <a:rPr lang="en">
+                <a:solidFill>
+                  <a:srgbClr val="24292F"/>
+                </a:solidFill>
+                <a:highlight>
+                  <a:srgbClr val="FFFFFF"/>
+                </a:highlight>
+                <a:uFill>
+                  <a:noFill/>
+                </a:uFill>
+                <a:hlinkClick r:id="rId5">
+                  <a:extLst>
+                    <a:ext uri="{A12FA001-AC4F-418D-AE19-62706E023703}">
+                      <ahyp:hlinkClr xmlns:ahyp="http://schemas.microsoft.com/office/drawing/2018/hyperlinkcolor" xmlns:p15="http://schemas.microsoft.com/office/powerpoint/2012/main" xmlns:p14="http://schemas.microsoft.com/office/powerpoint/2010/main" xmlns:com="http://schemas.openxmlformats.org/drawingml/2006/compatibility" xmlns:pvml="urn:schemas-microsoft-com:office:powerpoint" xmlns:v="urn:schemas-microsoft-com:vml" xmlns:o="urn:schemas-microsoft-com:office:office" xmlns:dgm="http://schemas.openxmlformats.org/drawingml/2006/diagram" xmlns:c="http://schemas.openxmlformats.org/drawingml/2006/chart" xmlns:mv="urn:schemas-microsoft-com:mac:vml" xmlns:mc="http://schemas.openxmlformats.org/markup-compatibility/2006" xmlns="" val="tx"/>
+                    </a:ext>
+                  </a:extLst>
+                </a:hlinkClick>
+              </a:rPr>
+              <a:t>Pinata API</a:t>
+            </a:r>
+            <a:r>
+              <a:rPr lang="en">
+                <a:solidFill>
+                  <a:srgbClr val="24292F"/>
+                </a:solidFill>
+                <a:highlight>
+                  <a:srgbClr val="FFFFFF"/>
+                </a:highlight>
+              </a:rPr>
+              <a:t> </a:t>
+            </a:r>
+            <a:endParaRPr>
+              <a:solidFill>
+                <a:srgbClr val="24292F"/>
+              </a:solidFill>
+              <a:highlight>
+                <a:srgbClr val="FFFFFF"/>
+              </a:highlight>
+            </a:endParaRPr>
+          </a:p>
+          <a:p>
+            <a:pPr marL="457200" lvl="0" indent="-342900" algn="l" rtl="0">
+              <a:spcBef>
+                <a:spcPts val="0"/>
+              </a:spcBef>
+              <a:spcAft>
+                <a:spcPts val="0"/>
+              </a:spcAft>
+              <a:buClr>
+                <a:srgbClr val="24292F"/>
+              </a:buClr>
+              <a:buSzPts val="1800"/>
+              <a:buChar char="●"/>
+            </a:pPr>
+            <a:r>
+              <a:rPr lang="en">
+                <a:solidFill>
+                  <a:srgbClr val="24292F"/>
+                </a:solidFill>
+              </a:rPr>
+              <a:t>IPFS</a:t>
+            </a:r>
+            <a:endParaRPr>
+              <a:solidFill>
+                <a:srgbClr val="24292F"/>
+              </a:solidFill>
+            </a:endParaRPr>
+          </a:p>
+          <a:p>
+            <a:pPr marL="457200" lvl="0" indent="-342900" algn="l" rtl="0">
+              <a:spcBef>
+                <a:spcPts val="0"/>
+              </a:spcBef>
+              <a:spcAft>
+                <a:spcPts val="0"/>
+              </a:spcAft>
+              <a:buClr>
+                <a:srgbClr val="24292F"/>
+              </a:buClr>
+              <a:buSzPts val="1800"/>
+              <a:buChar char="●"/>
+            </a:pPr>
+            <a:r>
+              <a:rPr lang="en">
+                <a:solidFill>
+                  <a:srgbClr val="24292F"/>
+                </a:solidFill>
+              </a:rPr>
+              <a:t>MetaMask</a:t>
+            </a:r>
+            <a:endParaRPr>
+              <a:solidFill>
+                <a:srgbClr val="24292F"/>
+              </a:solidFill>
+            </a:endParaRPr>
+          </a:p>
+          <a:p>
+            <a:pPr marL="457200" lvl="0" indent="-342900" algn="l" rtl="0">
+              <a:spcBef>
+                <a:spcPts val="0"/>
+              </a:spcBef>
+              <a:spcAft>
+                <a:spcPts val="0"/>
+              </a:spcAft>
+              <a:buClr>
+                <a:srgbClr val="24292F"/>
+              </a:buClr>
+              <a:buSzPts val="1800"/>
+              <a:buChar char="●"/>
+            </a:pPr>
+            <a:r>
+              <a:rPr lang="en">
+                <a:solidFill>
+                  <a:srgbClr val="24292F"/>
+                </a:solidFill>
+              </a:rPr>
+              <a:t>Remix IDE</a:t>
+            </a:r>
+            <a:endParaRPr>
+              <a:solidFill>
+                <a:srgbClr val="24292F"/>
+              </a:solidFill>
+            </a:endParaRPr>
+          </a:p>
+          <a:p>
+            <a:pPr marL="457200" lvl="0" indent="-342900" algn="l" rtl="0">
+              <a:spcBef>
+                <a:spcPts val="0"/>
+              </a:spcBef>
+              <a:spcAft>
+                <a:spcPts val="0"/>
+              </a:spcAft>
+              <a:buClr>
+                <a:srgbClr val="24292F"/>
+              </a:buClr>
+              <a:buSzPts val="1800"/>
+              <a:buChar char="●"/>
+            </a:pPr>
+            <a:r>
+              <a:rPr lang="en">
+                <a:solidFill>
+                  <a:srgbClr val="24292F"/>
+                </a:solidFill>
+              </a:rPr>
+              <a:t>Ganache</a:t>
+            </a:r>
+            <a:endParaRPr>
+              <a:solidFill>
+                <a:srgbClr val="24292F"/>
+              </a:solidFill>
+            </a:endParaRPr>
+          </a:p>
+          <a:p>
+            <a:pPr marL="457200" lvl="0" indent="-342900" algn="l" rtl="0">
+              <a:spcBef>
+                <a:spcPts val="0"/>
+              </a:spcBef>
+              <a:spcAft>
+                <a:spcPts val="0"/>
+              </a:spcAft>
+              <a:buClr>
+                <a:srgbClr val="24292F"/>
+              </a:buClr>
+              <a:buSzPts val="1800"/>
+              <a:buChar char="●"/>
+            </a:pPr>
+            <a:r>
+              <a:rPr lang="en">
+                <a:solidFill>
+                  <a:srgbClr val="24292F"/>
+                </a:solidFill>
+              </a:rPr>
+              <a:t>OpenZeppelin Contracts</a:t>
+            </a:r>
+            <a:endParaRPr>
+              <a:solidFill>
+                <a:srgbClr val="24292F"/>
+              </a:solidFill>
+            </a:endParaRPr>
+          </a:p>
+        </p:txBody>
+      </p:sp>
+    </p:spTree>
+  </p:cSld>
+  <p:clrMapOvr>
+    <a:masterClrMapping/>
+  </p:clrMapOvr>
+</p:sld>
+</file>
+
+<file path=ppt/slides/slide6.xml><?xml version="1.0" encoding="utf-8"?>
+<p:sld xmlns:a="http://schemas.openxmlformats.org/drawingml/2006/main" xmlns:r="http://schemas.openxmlformats.org/officeDocument/2006/relationships" xmlns:p="http://schemas.openxmlformats.org/presentationml/2006/main">
+  <p:cSld>
+    <p:spTree>
+      <p:nvGrpSpPr>
+        <p:cNvPr id="1" name="Shape 90"/>
+        <p:cNvGrpSpPr/>
+        <p:nvPr/>
+      </p:nvGrpSpPr>
+      <p:grpSpPr>
+        <a:xfrm>
+          <a:off x="0" y="0"/>
+          <a:ext cx="0" cy="0"/>
+          <a:chOff x="0" y="0"/>
+          <a:chExt cx="0" cy="0"/>
+        </a:xfrm>
+      </p:grpSpPr>
+      <p:sp>
+        <p:nvSpPr>
+          <p:cNvPr id="91" name="Google Shape;91;p18"/>
+          <p:cNvSpPr txBox="1">
+            <a:spLocks noGrp="1"/>
+          </p:cNvSpPr>
+          <p:nvPr>
+            <p:ph type="title"/>
+          </p:nvPr>
+        </p:nvSpPr>
+        <p:spPr>
+          <a:xfrm>
+            <a:off x="311700" y="445025"/>
+            <a:ext cx="8520600" cy="623400"/>
+          </a:xfrm>
+          <a:prstGeom prst="rect">
+            <a:avLst/>
+          </a:prstGeom>
+        </p:spPr>
+        <p:txBody>
+          <a:bodyPr spcFirstLastPara="1" wrap="square" lIns="91425" tIns="91425" rIns="91425" bIns="91425" anchor="t" anchorCtr="0">
+            <a:normAutofit fontScale="90000"/>
+          </a:bodyPr>
+          <a:lstStyle/>
+          <a:p>
+            <a:pPr marL="0" lvl="0" indent="0" algn="l" rtl="0">
+              <a:spcBef>
+                <a:spcPts val="0"/>
+              </a:spcBef>
+              <a:spcAft>
+                <a:spcPts val="0"/>
+              </a:spcAft>
+              <a:buNone/>
+            </a:pPr>
+            <a:r>
+              <a:rPr lang="en"/>
+              <a:t>Live Demo</a:t>
+            </a:r>
+            <a:endParaRPr/>
+          </a:p>
+        </p:txBody>
+      </p:sp>
+      <p:sp>
+        <p:nvSpPr>
+          <p:cNvPr id="92" name="Google Shape;92;p18"/>
           <p:cNvSpPr txBox="1">
             <a:spLocks noGrp="1"/>
           </p:cNvSpPr>
@@ -7921,6 +8647,346 @@
           </a:p>
         </p:txBody>
       </p:sp>
+    </p:spTree>
+  </p:cSld>
+  <p:clrMapOvr>
+    <a:masterClrMapping/>
+  </p:clrMapOvr>
+</p:sld>
+</file>
+
+<file path=ppt/slides/slide7.xml><?xml version="1.0" encoding="utf-8"?>
+<p:sld xmlns:a="http://schemas.openxmlformats.org/drawingml/2006/main" xmlns:r="http://schemas.openxmlformats.org/officeDocument/2006/relationships" xmlns:p="http://schemas.openxmlformats.org/presentationml/2006/main">
+  <p:cSld>
+    <p:spTree>
+      <p:nvGrpSpPr>
+        <p:cNvPr id="1" name="Shape 96"/>
+        <p:cNvGrpSpPr/>
+        <p:nvPr/>
+      </p:nvGrpSpPr>
+      <p:grpSpPr>
+        <a:xfrm>
+          <a:off x="0" y="0"/>
+          <a:ext cx="0" cy="0"/>
+          <a:chOff x="0" y="0"/>
+          <a:chExt cx="0" cy="0"/>
+        </a:xfrm>
+      </p:grpSpPr>
+      <p:sp>
+        <p:nvSpPr>
+          <p:cNvPr id="97" name="Google Shape;97;p19"/>
+          <p:cNvSpPr txBox="1">
+            <a:spLocks noGrp="1"/>
+          </p:cNvSpPr>
+          <p:nvPr>
+            <p:ph type="title"/>
+          </p:nvPr>
+        </p:nvSpPr>
+        <p:spPr>
+          <a:xfrm>
+            <a:off x="311700" y="445025"/>
+            <a:ext cx="8520600" cy="623400"/>
+          </a:xfrm>
+          <a:prstGeom prst="rect">
+            <a:avLst/>
+          </a:prstGeom>
+        </p:spPr>
+        <p:txBody>
+          <a:bodyPr spcFirstLastPara="1" wrap="square" lIns="91425" tIns="91425" rIns="91425" bIns="91425" anchor="t" anchorCtr="0">
+            <a:normAutofit fontScale="90000"/>
+          </a:bodyPr>
+          <a:lstStyle/>
+          <a:p>
+            <a:pPr marL="0" lvl="0" indent="0" algn="l" rtl="0">
+              <a:spcBef>
+                <a:spcPts val="0"/>
+              </a:spcBef>
+              <a:spcAft>
+                <a:spcPts val="0"/>
+              </a:spcAft>
+              <a:buNone/>
+            </a:pPr>
+            <a:r>
+              <a:rPr lang="en"/>
+              <a:t>Future Developments</a:t>
+            </a:r>
+            <a:endParaRPr/>
+          </a:p>
+          <a:p>
+            <a:pPr marL="0" lvl="0" indent="0" algn="l" rtl="0">
+              <a:spcBef>
+                <a:spcPts val="0"/>
+              </a:spcBef>
+              <a:spcAft>
+                <a:spcPts val="0"/>
+              </a:spcAft>
+              <a:buNone/>
+            </a:pPr>
+            <a:endParaRPr/>
+          </a:p>
+        </p:txBody>
+      </p:sp>
+      <p:sp>
+        <p:nvSpPr>
+          <p:cNvPr id="98" name="Google Shape;98;p19"/>
+          <p:cNvSpPr txBox="1">
+            <a:spLocks noGrp="1"/>
+          </p:cNvSpPr>
+          <p:nvPr>
+            <p:ph type="body" idx="1"/>
+          </p:nvPr>
+        </p:nvSpPr>
+        <p:spPr>
+          <a:xfrm>
+            <a:off x="311700" y="1152475"/>
+            <a:ext cx="8520600" cy="3416400"/>
+          </a:xfrm>
+          <a:prstGeom prst="rect">
+            <a:avLst/>
+          </a:prstGeom>
+          <a:ln w="9525" cap="flat" cmpd="sng">
+            <a:solidFill>
+              <a:schemeClr val="dk1"/>
+            </a:solidFill>
+            <a:prstDash val="solid"/>
+            <a:round/>
+            <a:headEnd type="none" w="sm" len="sm"/>
+            <a:tailEnd type="none" w="sm" len="sm"/>
+          </a:ln>
+        </p:spPr>
+        <p:txBody>
+          <a:bodyPr spcFirstLastPara="1" wrap="square" lIns="91425" tIns="91425" rIns="91425" bIns="91425" anchor="t" anchorCtr="0">
+            <a:normAutofit/>
+          </a:bodyPr>
+          <a:lstStyle/>
+          <a:p>
+            <a:pPr marL="457200" lvl="0" indent="-342900" algn="l" rtl="0">
+              <a:spcBef>
+                <a:spcPts val="0"/>
+              </a:spcBef>
+              <a:spcAft>
+                <a:spcPts val="0"/>
+              </a:spcAft>
+              <a:buClr>
+                <a:srgbClr val="24292F"/>
+              </a:buClr>
+              <a:buSzPts val="1800"/>
+              <a:buChar char="●"/>
+            </a:pPr>
+            <a:r>
+              <a:rPr lang="en">
+                <a:solidFill>
+                  <a:srgbClr val="24292F"/>
+                </a:solidFill>
+              </a:rPr>
+              <a:t>Image gallery</a:t>
+            </a:r>
+            <a:endParaRPr>
+              <a:solidFill>
+                <a:srgbClr val="24292F"/>
+              </a:solidFill>
+            </a:endParaRPr>
+          </a:p>
+          <a:p>
+            <a:pPr marL="457200" lvl="0" indent="-342900" algn="l" rtl="0">
+              <a:spcBef>
+                <a:spcPts val="0"/>
+              </a:spcBef>
+              <a:spcAft>
+                <a:spcPts val="0"/>
+              </a:spcAft>
+              <a:buClr>
+                <a:srgbClr val="24292F"/>
+              </a:buClr>
+              <a:buSzPts val="1800"/>
+              <a:buChar char="●"/>
+            </a:pPr>
+            <a:r>
+              <a:rPr lang="en">
+                <a:solidFill>
+                  <a:srgbClr val="24292F"/>
+                </a:solidFill>
+              </a:rPr>
+              <a:t>Auction capabilities</a:t>
+            </a:r>
+            <a:endParaRPr>
+              <a:solidFill>
+                <a:srgbClr val="24292F"/>
+              </a:solidFill>
+            </a:endParaRPr>
+          </a:p>
+          <a:p>
+            <a:pPr marL="457200" lvl="0" indent="-342900" algn="l" rtl="0">
+              <a:spcBef>
+                <a:spcPts val="0"/>
+              </a:spcBef>
+              <a:spcAft>
+                <a:spcPts val="0"/>
+              </a:spcAft>
+              <a:buClr>
+                <a:srgbClr val="24292F"/>
+              </a:buClr>
+              <a:buSzPts val="1800"/>
+              <a:buChar char="●"/>
+            </a:pPr>
+            <a:r>
+              <a:rPr lang="en">
+                <a:solidFill>
+                  <a:srgbClr val="24292F"/>
+                </a:solidFill>
+              </a:rPr>
+              <a:t>Browser Web3 connectivity (non python)</a:t>
+            </a:r>
+            <a:endParaRPr>
+              <a:solidFill>
+                <a:srgbClr val="24292F"/>
+              </a:solidFill>
+            </a:endParaRPr>
+          </a:p>
+        </p:txBody>
+      </p:sp>
+    </p:spTree>
+  </p:cSld>
+  <p:clrMapOvr>
+    <a:masterClrMapping/>
+  </p:clrMapOvr>
+</p:sld>
+</file>
+
+<file path=ppt/slides/slide8.xml><?xml version="1.0" encoding="utf-8"?>
+<p:sld xmlns:a="http://schemas.openxmlformats.org/drawingml/2006/main" xmlns:r="http://schemas.openxmlformats.org/officeDocument/2006/relationships" xmlns:p="http://schemas.openxmlformats.org/presentationml/2006/main">
+  <p:cSld>
+    <p:spTree>
+      <p:nvGrpSpPr>
+        <p:cNvPr id="1" name="Shape 102"/>
+        <p:cNvGrpSpPr/>
+        <p:nvPr/>
+      </p:nvGrpSpPr>
+      <p:grpSpPr>
+        <a:xfrm>
+          <a:off x="0" y="0"/>
+          <a:ext cx="0" cy="0"/>
+          <a:chOff x="0" y="0"/>
+          <a:chExt cx="0" cy="0"/>
+        </a:xfrm>
+      </p:grpSpPr>
+      <p:sp>
+        <p:nvSpPr>
+          <p:cNvPr id="103" name="Google Shape;103;p20"/>
+          <p:cNvSpPr txBox="1">
+            <a:spLocks noGrp="1"/>
+          </p:cNvSpPr>
+          <p:nvPr>
+            <p:ph type="title"/>
+          </p:nvPr>
+        </p:nvSpPr>
+        <p:spPr>
+          <a:xfrm>
+            <a:off x="311700" y="445025"/>
+            <a:ext cx="8520600" cy="623400"/>
+          </a:xfrm>
+          <a:prstGeom prst="rect">
+            <a:avLst/>
+          </a:prstGeom>
+        </p:spPr>
+        <p:txBody>
+          <a:bodyPr spcFirstLastPara="1" wrap="square" lIns="91425" tIns="91425" rIns="91425" bIns="91425" anchor="t" anchorCtr="0">
+            <a:normAutofit fontScale="90000"/>
+          </a:bodyPr>
+          <a:lstStyle/>
+          <a:p>
+            <a:pPr marL="0" lvl="0" indent="0" algn="l" rtl="0">
+              <a:spcBef>
+                <a:spcPts val="0"/>
+              </a:spcBef>
+              <a:spcAft>
+                <a:spcPts val="0"/>
+              </a:spcAft>
+              <a:buNone/>
+            </a:pPr>
+            <a:r>
+              <a:rPr lang="en"/>
+              <a:t>Questions</a:t>
+            </a:r>
+            <a:endParaRPr/>
+          </a:p>
+        </p:txBody>
+      </p:sp>
+      <p:sp>
+        <p:nvSpPr>
+          <p:cNvPr id="104" name="Google Shape;104;p20"/>
+          <p:cNvSpPr txBox="1">
+            <a:spLocks noGrp="1"/>
+          </p:cNvSpPr>
+          <p:nvPr>
+            <p:ph type="body" idx="1"/>
+          </p:nvPr>
+        </p:nvSpPr>
+        <p:spPr>
+          <a:xfrm>
+            <a:off x="311700" y="1152475"/>
+            <a:ext cx="8520600" cy="3416400"/>
+          </a:xfrm>
+          <a:prstGeom prst="rect">
+            <a:avLst/>
+          </a:prstGeom>
+          <a:ln w="9525" cap="flat" cmpd="sng">
+            <a:solidFill>
+              <a:schemeClr val="dk1"/>
+            </a:solidFill>
+            <a:prstDash val="solid"/>
+            <a:round/>
+            <a:headEnd type="none" w="sm" len="sm"/>
+            <a:tailEnd type="none" w="sm" len="sm"/>
+          </a:ln>
+        </p:spPr>
+        <p:txBody>
+          <a:bodyPr spcFirstLastPara="1" wrap="square" lIns="91425" tIns="91425" rIns="91425" bIns="91425" anchor="t" anchorCtr="0">
+            <a:normAutofit/>
+          </a:bodyPr>
+          <a:lstStyle/>
+          <a:p>
+            <a:pPr marL="0" lvl="0" indent="0" algn="l" rtl="0">
+              <a:spcBef>
+                <a:spcPts val="0"/>
+              </a:spcBef>
+              <a:spcAft>
+                <a:spcPts val="1200"/>
+              </a:spcAft>
+              <a:buNone/>
+            </a:pPr>
+            <a:endParaRPr/>
+          </a:p>
+        </p:txBody>
+      </p:sp>
+      <p:pic>
+        <p:nvPicPr>
+          <p:cNvPr id="105" name="Google Shape;105;p20"/>
+          <p:cNvPicPr preferRelativeResize="0"/>
+          <p:nvPr/>
+        </p:nvPicPr>
+        <p:blipFill>
+          <a:blip r:embed="rId3">
+            <a:alphaModFix/>
+          </a:blip>
+          <a:stretch>
+            <a:fillRect/>
+          </a:stretch>
+        </p:blipFill>
+        <p:spPr>
+          <a:xfrm>
+            <a:off x="5819025" y="1472750"/>
+            <a:ext cx="2671650" cy="2671650"/>
+          </a:xfrm>
+          <a:prstGeom prst="rect">
+            <a:avLst/>
+          </a:prstGeom>
+          <a:noFill/>
+          <a:ln>
+            <a:noFill/>
+          </a:ln>
+        </p:spPr>
+      </p:pic>
     </p:spTree>
   </p:cSld>
   <p:clrMapOvr>

--- a/Presentation/blockheads-presentation.pptx
+++ b/Presentation/blockheads-presentation.pptx
@@ -21,14 +21,14 @@
   <p:notesSz cx="6858000" cy="9144000"/>
   <p:embeddedFontLst>
     <p:embeddedFont>
-      <p:font typeface="Raleway" charset="0"/>
+      <p:font typeface="Raleway" panose="020B0604020202020204" pitchFamily="2" charset="0"/>
       <p:regular r:id="rId11"/>
       <p:bold r:id="rId12"/>
       <p:italic r:id="rId13"/>
       <p:boldItalic r:id="rId14"/>
     </p:embeddedFont>
     <p:embeddedFont>
-      <p:font typeface="Source Sans Pro" charset="0"/>
+      <p:font typeface="Source Sans Pro" panose="020B0503030403020204" pitchFamily="34" charset="0"/>
       <p:regular r:id="rId15"/>
       <p:bold r:id="rId16"/>
       <p:italic r:id="rId17"/>
@@ -266,7 +266,7 @@
   </p:defaultTextStyle>
   <p:extLst>
     <p:ext uri="{EFAFB233-063F-42B5-8137-9DF3F51BA10A}">
-      <p15:sldGuideLst xmlns:ahyp="http://schemas.microsoft.com/office/drawing/2018/hyperlinkcolor" xmlns:p15="http://schemas.microsoft.com/office/powerpoint/2012/main" xmlns:p14="http://schemas.microsoft.com/office/powerpoint/2010/main" xmlns:com="http://schemas.openxmlformats.org/drawingml/2006/compatibility" xmlns:pvml="urn:schemas-microsoft-com:office:powerpoint" xmlns:v="urn:schemas-microsoft-com:vml" xmlns:o="urn:schemas-microsoft-com:office:office" xmlns:dgm="http://schemas.openxmlformats.org/drawingml/2006/diagram" xmlns:c="http://schemas.openxmlformats.org/drawingml/2006/chart" xmlns:mv="urn:schemas-microsoft-com:mac:vml" xmlns:mc="http://schemas.openxmlformats.org/markup-compatibility/2006" xmlns="">
+      <p15:sldGuideLst xmlns:p15="http://schemas.microsoft.com/office/powerpoint/2012/main">
         <p15:guide id="1" orient="horz" pos="1620">
           <p15:clr>
             <a:srgbClr val="A4A3A4"/>
@@ -1377,7 +1377,7 @@
         </p:nvSpPr>
         <p:spPr>
           <a:xfrm>
-            <a:off x="381300" y="685800"/>
+            <a:off x="381000" y="685800"/>
             <a:ext cx="6096000" cy="3429000"/>
           </a:xfrm>
           <a:custGeom>
@@ -8263,7 +8263,7 @@
                 <a:hlinkClick r:id="rId3">
                   <a:extLst>
                     <a:ext uri="{A12FA001-AC4F-418D-AE19-62706E023703}">
-                      <ahyp:hlinkClr xmlns:ahyp="http://schemas.microsoft.com/office/drawing/2018/hyperlinkcolor" xmlns:p15="http://schemas.microsoft.com/office/powerpoint/2012/main" xmlns:p14="http://schemas.microsoft.com/office/powerpoint/2010/main" xmlns:com="http://schemas.openxmlformats.org/drawingml/2006/compatibility" xmlns:pvml="urn:schemas-microsoft-com:office:powerpoint" xmlns:v="urn:schemas-microsoft-com:vml" xmlns:o="urn:schemas-microsoft-com:office:office" xmlns:dgm="http://schemas.openxmlformats.org/drawingml/2006/diagram" xmlns:c="http://schemas.openxmlformats.org/drawingml/2006/chart" xmlns:mv="urn:schemas-microsoft-com:mac:vml" xmlns:mc="http://schemas.openxmlformats.org/markup-compatibility/2006" xmlns="" val="tx"/>
+                      <ahyp:hlinkClr xmlns:ahyp="http://schemas.microsoft.com/office/drawing/2018/hyperlinkcolor" val="tx"/>
                     </a:ext>
                   </a:extLst>
                 </a:hlinkClick>
@@ -8318,7 +8318,7 @@
                 <a:hlinkClick r:id="rId4">
                   <a:extLst>
                     <a:ext uri="{A12FA001-AC4F-418D-AE19-62706E023703}">
-                      <ahyp:hlinkClr xmlns:ahyp="http://schemas.microsoft.com/office/drawing/2018/hyperlinkcolor" xmlns:p15="http://schemas.microsoft.com/office/powerpoint/2012/main" xmlns:p14="http://schemas.microsoft.com/office/powerpoint/2010/main" xmlns:com="http://schemas.openxmlformats.org/drawingml/2006/compatibility" xmlns:pvml="urn:schemas-microsoft-com:office:powerpoint" xmlns:v="urn:schemas-microsoft-com:vml" xmlns:o="urn:schemas-microsoft-com:office:office" xmlns:dgm="http://schemas.openxmlformats.org/drawingml/2006/diagram" xmlns:c="http://schemas.openxmlformats.org/drawingml/2006/chart" xmlns:mv="urn:schemas-microsoft-com:mac:vml" xmlns:mc="http://schemas.openxmlformats.org/markup-compatibility/2006" xmlns="" val="tx"/>
+                      <ahyp:hlinkClr xmlns:ahyp="http://schemas.microsoft.com/office/drawing/2018/hyperlinkcolor" val="tx"/>
                     </a:ext>
                   </a:extLst>
                 </a:hlinkClick>
@@ -8373,7 +8373,7 @@
                 <a:hlinkClick r:id="rId5">
                   <a:extLst>
                     <a:ext uri="{A12FA001-AC4F-418D-AE19-62706E023703}">
-                      <ahyp:hlinkClr xmlns:ahyp="http://schemas.microsoft.com/office/drawing/2018/hyperlinkcolor" xmlns:p15="http://schemas.microsoft.com/office/powerpoint/2012/main" xmlns:p14="http://schemas.microsoft.com/office/powerpoint/2010/main" xmlns:com="http://schemas.openxmlformats.org/drawingml/2006/compatibility" xmlns:pvml="urn:schemas-microsoft-com:office:powerpoint" xmlns:v="urn:schemas-microsoft-com:vml" xmlns:o="urn:schemas-microsoft-com:office:office" xmlns:dgm="http://schemas.openxmlformats.org/drawingml/2006/diagram" xmlns:c="http://schemas.openxmlformats.org/drawingml/2006/chart" xmlns:mv="urn:schemas-microsoft-com:mac:vml" xmlns:mc="http://schemas.openxmlformats.org/markup-compatibility/2006" xmlns="" val="tx"/>
+                      <ahyp:hlinkClr xmlns:ahyp="http://schemas.microsoft.com/office/drawing/2018/hyperlinkcolor" val="tx"/>
                     </a:ext>
                   </a:extLst>
                 </a:hlinkClick>
@@ -8707,10 +8707,10 @@
               <a:buNone/>
             </a:pPr>
             <a:r>
-              <a:rPr lang="en"/>
+              <a:rPr lang="en" dirty="0"/>
               <a:t>Future Developments</a:t>
             </a:r>
-            <a:endParaRPr/>
+            <a:endParaRPr dirty="0"/>
           </a:p>
           <a:p>
             <a:pPr marL="0" lvl="0" indent="0" algn="l" rtl="0">
@@ -8722,7 +8722,7 @@
               </a:spcAft>
               <a:buNone/>
             </a:pPr>
-            <a:endParaRPr/>
+            <a:endParaRPr dirty="0"/>
           </a:p>
         </p:txBody>
       </p:sp>
@@ -8738,8 +8738,8 @@
         </p:nvSpPr>
         <p:spPr>
           <a:xfrm>
-            <a:off x="311700" y="1152475"/>
-            <a:ext cx="8520600" cy="3416400"/>
+            <a:off x="311700" y="1200149"/>
+            <a:ext cx="4953244" cy="3368725"/>
           </a:xfrm>
           <a:prstGeom prst="rect">
             <a:avLst/>
@@ -8770,18 +8770,41 @@
               <a:buClr>
                 <a:srgbClr val="24292F"/>
               </a:buClr>
-              <a:buSzPts val="1800"/>
+              <a:buSzPct val="140000"/>
               <a:buChar char="●"/>
             </a:pPr>
             <a:r>
-              <a:rPr lang="en">
+              <a:rPr lang="en-US" dirty="0">
                 <a:solidFill>
                   <a:srgbClr val="24292F"/>
                 </a:solidFill>
               </a:rPr>
               <a:t>Image gallery</a:t>
             </a:r>
-            <a:endParaRPr>
+          </a:p>
+          <a:p>
+            <a:pPr marL="457200" lvl="0" indent="-342900" algn="l" rtl="0">
+              <a:spcBef>
+                <a:spcPts val="0"/>
+              </a:spcBef>
+              <a:spcAft>
+                <a:spcPts val="0"/>
+              </a:spcAft>
+              <a:buClr>
+                <a:srgbClr val="24292F"/>
+              </a:buClr>
+              <a:buSzPct val="140000"/>
+              <a:buChar char="●"/>
+            </a:pPr>
+            <a:r>
+              <a:rPr lang="en" dirty="0">
+                <a:solidFill>
+                  <a:srgbClr val="24292F"/>
+                </a:solidFill>
+              </a:rPr>
+              <a:t>Auction capabilities</a:t>
+            </a:r>
+            <a:endParaRPr dirty="0">
               <a:solidFill>
                 <a:srgbClr val="24292F"/>
               </a:solidFill>
@@ -8798,22 +8821,63 @@
               <a:buClr>
                 <a:srgbClr val="24292F"/>
               </a:buClr>
-              <a:buSzPts val="1800"/>
+              <a:buSzPct val="140000"/>
               <a:buChar char="●"/>
             </a:pPr>
             <a:r>
-              <a:rPr lang="en">
+              <a:rPr lang="en" dirty="0">
                 <a:solidFill>
                   <a:srgbClr val="24292F"/>
                 </a:solidFill>
               </a:rPr>
-              <a:t>Auction capabilities</a:t>
+              <a:t>Browser Web3 connectivity (non python)</a:t>
             </a:r>
-            <a:endParaRPr>
-              <a:solidFill>
+          </a:p>
+          <a:p>
+            <a:pPr marL="457200" lvl="0" indent="-342900" algn="l" rtl="0">
+              <a:spcBef>
+                <a:spcPts val="0"/>
+              </a:spcBef>
+              <a:spcAft>
+                <a:spcPts val="0"/>
+              </a:spcAft>
+              <a:buClr>
                 <a:srgbClr val="24292F"/>
-              </a:solidFill>
-            </a:endParaRPr>
+              </a:buClr>
+              <a:buSzPct val="140000"/>
+              <a:buChar char="●"/>
+            </a:pPr>
+            <a:r>
+              <a:rPr lang="en" dirty="0">
+                <a:solidFill>
+                  <a:srgbClr val="24292F"/>
+                </a:solidFill>
+              </a:rPr>
+              <a:t>Mint NFTs as collections</a:t>
+            </a:r>
+          </a:p>
+          <a:p>
+            <a:pPr marL="457200" lvl="0" indent="-342900" algn="l" rtl="0">
+              <a:spcBef>
+                <a:spcPts val="0"/>
+              </a:spcBef>
+              <a:spcAft>
+                <a:spcPts val="0"/>
+              </a:spcAft>
+              <a:buClr>
+                <a:srgbClr val="24292F"/>
+              </a:buClr>
+              <a:buSzPct val="140000"/>
+              <a:buChar char="●"/>
+            </a:pPr>
+            <a:r>
+              <a:rPr lang="en" dirty="0">
+                <a:solidFill>
+                  <a:srgbClr val="24292F"/>
+                </a:solidFill>
+              </a:rPr>
+              <a:t>Mint NFT with royalty structure encoded</a:t>
+            </a:r>
           </a:p>
           <a:p>
             <a:pPr marL="457200" lvl="0" indent="-342900" algn="l" rtl="0">
@@ -8829,15 +8893,7 @@
               <a:buSzPts val="1800"/>
               <a:buChar char="●"/>
             </a:pPr>
-            <a:r>
-              <a:rPr lang="en">
-                <a:solidFill>
-                  <a:srgbClr val="24292F"/>
-                </a:solidFill>
-              </a:rPr>
-              <a:t>Browser Web3 connectivity (non python)</a:t>
-            </a:r>
-            <a:endParaRPr>
+            <a:endParaRPr dirty="0">
               <a:solidFill>
                 <a:srgbClr val="24292F"/>
               </a:solidFill>
@@ -8845,6 +8901,36 @@
           </a:p>
         </p:txBody>
       </p:sp>
+      <p:pic>
+        <p:nvPicPr>
+          <p:cNvPr id="3" name="Picture 2" descr="Graphical user interface, application&#10;&#10;Description automatically generated">
+            <a:extLst>
+              <a:ext uri="{FF2B5EF4-FFF2-40B4-BE49-F238E27FC236}">
+                <a16:creationId xmlns:a16="http://schemas.microsoft.com/office/drawing/2014/main" id="{9D9611F6-D7C9-4154-B83D-6E8480249BA8}"/>
+              </a:ext>
+            </a:extLst>
+          </p:cNvPr>
+          <p:cNvPicPr>
+            <a:picLocks noChangeAspect="1"/>
+          </p:cNvPicPr>
+          <p:nvPr/>
+        </p:nvPicPr>
+        <p:blipFill>
+          <a:blip r:embed="rId3"/>
+          <a:stretch>
+            <a:fillRect/>
+          </a:stretch>
+        </p:blipFill>
+        <p:spPr>
+          <a:xfrm>
+            <a:off x="6236493" y="1141756"/>
+            <a:ext cx="2155983" cy="3271665"/>
+          </a:xfrm>
+          <a:prstGeom prst="rect">
+            <a:avLst/>
+          </a:prstGeom>
+        </p:spPr>
+      </p:pic>
     </p:spTree>
   </p:cSld>
   <p:clrMapOvr>
